--- a/SparkClass3.pptx
+++ b/SparkClass3.pptx
@@ -6,7 +6,8 @@
   </p:sldMasterIdLst>
   <p:sldIdLst>
     <p:sldId id="256" r:id="rId2"/>
-    <p:sldId id="257" r:id="rId3"/>
+    <p:sldId id="258" r:id="rId3"/>
+    <p:sldId id="257" r:id="rId4"/>
   </p:sldIdLst>
   <p:sldSz cx="12192000" cy="6858000"/>
   <p:notesSz cx="6858000" cy="9144000"/>
@@ -105,6 +106,11 @@
       </a:defRPr>
     </a:lvl9pPr>
   </p:defaultTextStyle>
+  <p:extLst>
+    <p:ext uri="{EFAFB233-063F-42B5-8137-9DF3F51BA10A}">
+      <p15:sldGuideLst xmlns:p15="http://schemas.microsoft.com/office/powerpoint/2012/main"/>
+    </p:ext>
+  </p:extLst>
 </p:presentation>
 </file>
 
@@ -287,7 +293,7 @@
           <a:p>
             <a:fld id="{1F0FA21E-DB45-475D-A17D-32C421068B5C}" type="datetimeFigureOut">
               <a:rPr lang="en-US" smtClean="0"/>
-              <a:t>2023-08-05</a:t>
+              <a:t>2023-09-02</a:t>
             </a:fld>
             <a:endParaRPr lang="en-US"/>
           </a:p>
@@ -455,7 +461,7 @@
           <a:p>
             <a:fld id="{1F0FA21E-DB45-475D-A17D-32C421068B5C}" type="datetimeFigureOut">
               <a:rPr lang="en-US" smtClean="0"/>
-              <a:t>2023-08-05</a:t>
+              <a:t>2023-09-02</a:t>
             </a:fld>
             <a:endParaRPr lang="en-US"/>
           </a:p>
@@ -633,7 +639,7 @@
           <a:p>
             <a:fld id="{1F0FA21E-DB45-475D-A17D-32C421068B5C}" type="datetimeFigureOut">
               <a:rPr lang="en-US" smtClean="0"/>
-              <a:t>2023-08-05</a:t>
+              <a:t>2023-09-02</a:t>
             </a:fld>
             <a:endParaRPr lang="en-US"/>
           </a:p>
@@ -801,7 +807,7 @@
           <a:p>
             <a:fld id="{1F0FA21E-DB45-475D-A17D-32C421068B5C}" type="datetimeFigureOut">
               <a:rPr lang="en-US" smtClean="0"/>
-              <a:t>2023-08-05</a:t>
+              <a:t>2023-09-02</a:t>
             </a:fld>
             <a:endParaRPr lang="en-US"/>
           </a:p>
@@ -1046,7 +1052,7 @@
           <a:p>
             <a:fld id="{1F0FA21E-DB45-475D-A17D-32C421068B5C}" type="datetimeFigureOut">
               <a:rPr lang="en-US" smtClean="0"/>
-              <a:t>2023-08-05</a:t>
+              <a:t>2023-09-02</a:t>
             </a:fld>
             <a:endParaRPr lang="en-US"/>
           </a:p>
@@ -1331,7 +1337,7 @@
           <a:p>
             <a:fld id="{1F0FA21E-DB45-475D-A17D-32C421068B5C}" type="datetimeFigureOut">
               <a:rPr lang="en-US" smtClean="0"/>
-              <a:t>2023-08-05</a:t>
+              <a:t>2023-09-02</a:t>
             </a:fld>
             <a:endParaRPr lang="en-US"/>
           </a:p>
@@ -1750,7 +1756,7 @@
           <a:p>
             <a:fld id="{1F0FA21E-DB45-475D-A17D-32C421068B5C}" type="datetimeFigureOut">
               <a:rPr lang="en-US" smtClean="0"/>
-              <a:t>2023-08-05</a:t>
+              <a:t>2023-09-02</a:t>
             </a:fld>
             <a:endParaRPr lang="en-US"/>
           </a:p>
@@ -1867,7 +1873,7 @@
           <a:p>
             <a:fld id="{1F0FA21E-DB45-475D-A17D-32C421068B5C}" type="datetimeFigureOut">
               <a:rPr lang="en-US" smtClean="0"/>
-              <a:t>2023-08-05</a:t>
+              <a:t>2023-09-02</a:t>
             </a:fld>
             <a:endParaRPr lang="en-US"/>
           </a:p>
@@ -1962,7 +1968,7 @@
           <a:p>
             <a:fld id="{1F0FA21E-DB45-475D-A17D-32C421068B5C}" type="datetimeFigureOut">
               <a:rPr lang="en-US" smtClean="0"/>
-              <a:t>2023-08-05</a:t>
+              <a:t>2023-09-02</a:t>
             </a:fld>
             <a:endParaRPr lang="en-US"/>
           </a:p>
@@ -2237,7 +2243,7 @@
           <a:p>
             <a:fld id="{1F0FA21E-DB45-475D-A17D-32C421068B5C}" type="datetimeFigureOut">
               <a:rPr lang="en-US" smtClean="0"/>
-              <a:t>2023-08-05</a:t>
+              <a:t>2023-09-02</a:t>
             </a:fld>
             <a:endParaRPr lang="en-US"/>
           </a:p>
@@ -2492,7 +2498,7 @@
           <a:p>
             <a:fld id="{1F0FA21E-DB45-475D-A17D-32C421068B5C}" type="datetimeFigureOut">
               <a:rPr lang="en-US" smtClean="0"/>
-              <a:t>2023-08-05</a:t>
+              <a:t>2023-09-02</a:t>
             </a:fld>
             <a:endParaRPr lang="en-US"/>
           </a:p>
@@ -2703,7 +2709,7 @@
           <a:p>
             <a:fld id="{1F0FA21E-DB45-475D-A17D-32C421068B5C}" type="datetimeFigureOut">
               <a:rPr lang="en-US" smtClean="0"/>
-              <a:t>2023-08-05</a:t>
+              <a:t>2023-09-02</a:t>
             </a:fld>
             <a:endParaRPr lang="en-US"/>
           </a:p>
@@ -3131,7 +3137,7 @@
           <a:p>
             <a:r>
               <a:rPr lang="en-US" dirty="0"/>
-              <a:t>By: Aaron E-J</a:t>
+              <a:t>Aaron E-J</a:t>
             </a:r>
           </a:p>
         </p:txBody>
@@ -3166,6 +3172,150 @@
           <a:chExt cx="0" cy="0"/>
         </a:xfrm>
       </p:grpSpPr>
+      <p:pic>
+        <p:nvPicPr>
+          <p:cNvPr id="5" name="Picture 4" descr="A qr code to our Teams channel ">
+            <a:extLst>
+              <a:ext uri="{FF2B5EF4-FFF2-40B4-BE49-F238E27FC236}">
+                <a16:creationId xmlns:a16="http://schemas.microsoft.com/office/drawing/2014/main" id="{7CB792B6-25DB-35B8-E631-F7DACC9D2324}"/>
+              </a:ext>
+            </a:extLst>
+          </p:cNvPr>
+          <p:cNvPicPr>
+            <a:picLocks noChangeAspect="1"/>
+          </p:cNvPicPr>
+          <p:nvPr/>
+        </p:nvPicPr>
+        <p:blipFill>
+          <a:blip r:embed="rId2">
+            <a:extLst>
+              <a:ext uri="{28A0092B-C50C-407E-A947-70E740481C1C}">
+                <a14:useLocalDpi xmlns:a14="http://schemas.microsoft.com/office/drawing/2010/main" val="0"/>
+              </a:ext>
+            </a:extLst>
+          </a:blip>
+          <a:stretch>
+            <a:fillRect/>
+          </a:stretch>
+        </p:blipFill>
+        <p:spPr>
+          <a:xfrm>
+            <a:off x="2989684" y="322684"/>
+            <a:ext cx="6212632" cy="6212632"/>
+          </a:xfrm>
+          <a:prstGeom prst="rect">
+            <a:avLst/>
+          </a:prstGeom>
+        </p:spPr>
+      </p:pic>
+      <p:sp>
+        <p:nvSpPr>
+          <p:cNvPr id="7" name="TextBox 6">
+            <a:extLst>
+              <a:ext uri="{FF2B5EF4-FFF2-40B4-BE49-F238E27FC236}">
+                <a16:creationId xmlns:a16="http://schemas.microsoft.com/office/drawing/2014/main" id="{1925573C-6C16-AA9A-D583-78F2BDC9A397}"/>
+              </a:ext>
+            </a:extLst>
+          </p:cNvPr>
+          <p:cNvSpPr txBox="1"/>
+          <p:nvPr/>
+        </p:nvSpPr>
+        <p:spPr>
+          <a:xfrm rot="17991459">
+            <a:off x="-1513891" y="2819958"/>
+            <a:ext cx="6097554" cy="584775"/>
+          </a:xfrm>
+          <a:prstGeom prst="rect">
+            <a:avLst/>
+          </a:prstGeom>
+          <a:noFill/>
+        </p:spPr>
+        <p:txBody>
+          <a:bodyPr wrap="square">
+            <a:spAutoFit/>
+          </a:bodyPr>
+          <a:lstStyle/>
+          <a:p>
+            <a:pPr algn="ctr"/>
+            <a:r>
+              <a:rPr lang="en-US" sz="3200" dirty="0">
+                <a:hlinkClick r:id="rId3"/>
+              </a:rPr>
+              <a:t>https://otherrealm.org/teamslink</a:t>
+            </a:r>
+            <a:endParaRPr lang="en-US" sz="3200" dirty="0"/>
+          </a:p>
+        </p:txBody>
+      </p:sp>
+      <p:sp>
+        <p:nvSpPr>
+          <p:cNvPr id="8" name="TextBox 7">
+            <a:extLst>
+              <a:ext uri="{FF2B5EF4-FFF2-40B4-BE49-F238E27FC236}">
+                <a16:creationId xmlns:a16="http://schemas.microsoft.com/office/drawing/2014/main" id="{6FB40D35-EA18-8A14-49FC-31F6397B0C55}"/>
+              </a:ext>
+            </a:extLst>
+          </p:cNvPr>
+          <p:cNvSpPr txBox="1"/>
+          <p:nvPr/>
+        </p:nvSpPr>
+        <p:spPr>
+          <a:xfrm rot="4003144">
+            <a:off x="7608339" y="2819958"/>
+            <a:ext cx="6097554" cy="584775"/>
+          </a:xfrm>
+          <a:prstGeom prst="rect">
+            <a:avLst/>
+          </a:prstGeom>
+          <a:noFill/>
+        </p:spPr>
+        <p:txBody>
+          <a:bodyPr wrap="square">
+            <a:spAutoFit/>
+          </a:bodyPr>
+          <a:lstStyle/>
+          <a:p>
+            <a:pPr algn="ctr"/>
+            <a:r>
+              <a:rPr lang="en-US" sz="3200" dirty="0">
+                <a:hlinkClick r:id="rId3"/>
+              </a:rPr>
+              <a:t>https://otherrealm.org/teamslink</a:t>
+            </a:r>
+            <a:endParaRPr lang="en-US" sz="3200" dirty="0"/>
+          </a:p>
+        </p:txBody>
+      </p:sp>
+    </p:spTree>
+    <p:extLst>
+      <p:ext uri="{BB962C8B-B14F-4D97-AF65-F5344CB8AC3E}">
+        <p14:creationId xmlns:p14="http://schemas.microsoft.com/office/powerpoint/2010/main" val="635188168"/>
+      </p:ext>
+    </p:extLst>
+  </p:cSld>
+  <p:clrMapOvr>
+    <a:masterClrMapping/>
+  </p:clrMapOvr>
+</p:sld>
+</file>
+
+<file path=ppt/slides/slide3.xml><?xml version="1.0" encoding="utf-8"?>
+<p:sld xmlns:a="http://schemas.openxmlformats.org/drawingml/2006/main" xmlns:r="http://schemas.openxmlformats.org/officeDocument/2006/relationships" xmlns:p="http://schemas.openxmlformats.org/presentationml/2006/main">
+  <p:cSld>
+    <p:spTree>
+      <p:nvGrpSpPr>
+        <p:cNvPr id="1" name=""/>
+        <p:cNvGrpSpPr/>
+        <p:nvPr/>
+      </p:nvGrpSpPr>
+      <p:grpSpPr>
+        <a:xfrm>
+          <a:off x="0" y="0"/>
+          <a:ext cx="0" cy="0"/>
+          <a:chOff x="0" y="0"/>
+          <a:chExt cx="0" cy="0"/>
+        </a:xfrm>
+      </p:grpSpPr>
       <p:sp>
         <p:nvSpPr>
           <p:cNvPr id="2" name="Title 1">
@@ -3220,16 +3370,9 @@
                 <a:effectLst/>
                 <a:latin typeface="times new roman" panose="02020603050405020304" pitchFamily="18" charset="0"/>
               </a:rPr>
-              <a:t>This week's assignment will be to start to analyze the ideas everyone identified as to what they were interested in further researching and break them into actionable tasks, using their own projects as Kanban GitHub projects.  To make this happen, each group should coordinate with each other in setting up a project in the 'Projects' tab in the spark repository.  </a:t>
-            </a:r>
-            <a:r>
-              <a:rPr lang="en-US">
-                <a:effectLst/>
-                <a:latin typeface="times new roman" panose="02020603050405020304" pitchFamily="18" charset="0"/>
-              </a:rPr>
-              <a:t>I will try to make discussion channels using the chat application we decided on for each project so that you can coordinate things.</a:t>
-            </a:r>
-            <a:endParaRPr lang="en-US"/>
+              <a:t>This week's assignment will be to start to analyze the ideas everyone identified as to what they were interested in further researching and break them into actionable tasks, using their own projects as Kanban GitHub projects.  To make this happen, each group should coordinate with each other in setting up a project in the 'Projects' tab in the spark repository.  I will try to make discussion channels using the chat application we decided on for each project so that you can coordinate things.</a:t>
+            </a:r>
+            <a:endParaRPr lang="en-US" dirty="0"/>
           </a:p>
         </p:txBody>
       </p:sp>
